--- a/Hobby-Project-presentation.pptx
+++ b/Hobby-Project-presentation.pptx
@@ -17,8 +17,9 @@
     <p:sldId id="268" r:id="rId11"/>
     <p:sldId id="269" r:id="rId12"/>
     <p:sldId id="270" r:id="rId13"/>
-    <p:sldId id="257" r:id="rId14"/>
-    <p:sldId id="263" r:id="rId15"/>
+    <p:sldId id="263" r:id="rId14"/>
+    <p:sldId id="271" r:id="rId15"/>
+    <p:sldId id="272" r:id="rId16"/>
   </p:sldIdLst>
   <p:sldSz cx="12192000" cy="6858000"/>
   <p:notesSz cx="6858000" cy="9144000"/>
@@ -6202,6 +6203,66 @@
           </a:p>
         </p:txBody>
       </p:sp>
+      <p:pic>
+        <p:nvPicPr>
+          <p:cNvPr id="2" name="Picture 1"/>
+          <p:cNvPicPr>
+            <a:picLocks noChangeAspect="1"/>
+          </p:cNvPicPr>
+          <p:nvPr/>
+        </p:nvPicPr>
+        <p:blipFill>
+          <a:blip r:embed="rId2">
+            <a:extLst>
+              <a:ext uri="{28A0092B-C50C-407E-A947-70E740481C1C}">
+                <a14:useLocalDpi xmlns:a14="http://schemas.microsoft.com/office/drawing/2010/main" val="0"/>
+              </a:ext>
+            </a:extLst>
+          </a:blip>
+          <a:stretch>
+            <a:fillRect/>
+          </a:stretch>
+        </p:blipFill>
+        <p:spPr>
+          <a:xfrm>
+            <a:off x="-592430" y="3598393"/>
+            <a:ext cx="4889411" cy="3259607"/>
+          </a:xfrm>
+          <a:prstGeom prst="rect">
+            <a:avLst/>
+          </a:prstGeom>
+        </p:spPr>
+      </p:pic>
+      <p:pic>
+        <p:nvPicPr>
+          <p:cNvPr id="3" name="Picture 2"/>
+          <p:cNvPicPr>
+            <a:picLocks noChangeAspect="1"/>
+          </p:cNvPicPr>
+          <p:nvPr/>
+        </p:nvPicPr>
+        <p:blipFill>
+          <a:blip r:embed="rId3">
+            <a:extLst>
+              <a:ext uri="{28A0092B-C50C-407E-A947-70E740481C1C}">
+                <a14:useLocalDpi xmlns:a14="http://schemas.microsoft.com/office/drawing/2010/main" val="0"/>
+              </a:ext>
+            </a:extLst>
+          </a:blip>
+          <a:stretch>
+            <a:fillRect/>
+          </a:stretch>
+        </p:blipFill>
+        <p:spPr>
+          <a:xfrm>
+            <a:off x="9165132" y="2678806"/>
+            <a:ext cx="2909617" cy="4372377"/>
+          </a:xfrm>
+          <a:prstGeom prst="rect">
+            <a:avLst/>
+          </a:prstGeom>
+        </p:spPr>
+      </p:pic>
     </p:spTree>
     <p:extLst>
       <p:ext uri="{BB962C8B-B14F-4D97-AF65-F5344CB8AC3E}">
@@ -6419,12 +6480,12 @@
               <a:t>, Annotations, Application properties, </a:t>
             </a:r>
             <a:r>
-              <a:rPr lang="en-GB" dirty="0" err="1" smtClean="0"/>
-              <a:t>Reposotory</a:t>
-            </a:r>
-            <a:r>
               <a:rPr lang="en-GB" dirty="0" smtClean="0"/>
-              <a:t>-Entity-Service-Controller model.</a:t>
+              <a:t>Repository-Entity-Service-Controller </a:t>
+            </a:r>
+            <a:r>
+              <a:rPr lang="en-GB" dirty="0" smtClean="0"/>
+              <a:t>model.</a:t>
             </a:r>
           </a:p>
           <a:p>
@@ -6445,6 +6506,78 @@
           </a:p>
         </p:txBody>
       </p:sp>
+      <p:pic>
+        <p:nvPicPr>
+          <p:cNvPr id="4" name="Picture 3"/>
+          <p:cNvPicPr>
+            <a:picLocks noChangeAspect="1"/>
+          </p:cNvPicPr>
+          <p:nvPr/>
+        </p:nvPicPr>
+        <p:blipFill>
+          <a:blip r:embed="rId2"/>
+          <a:stretch>
+            <a:fillRect/>
+          </a:stretch>
+        </p:blipFill>
+        <p:spPr>
+          <a:xfrm>
+            <a:off x="10161528" y="1716681"/>
+            <a:ext cx="1476581" cy="4867954"/>
+          </a:xfrm>
+          <a:prstGeom prst="rect">
+            <a:avLst/>
+          </a:prstGeom>
+        </p:spPr>
+      </p:pic>
+      <p:pic>
+        <p:nvPicPr>
+          <p:cNvPr id="5" name="Picture 4"/>
+          <p:cNvPicPr>
+            <a:picLocks noChangeAspect="1"/>
+          </p:cNvPicPr>
+          <p:nvPr/>
+        </p:nvPicPr>
+        <p:blipFill>
+          <a:blip r:embed="rId3"/>
+          <a:stretch>
+            <a:fillRect/>
+          </a:stretch>
+        </p:blipFill>
+        <p:spPr>
+          <a:xfrm>
+            <a:off x="1107551" y="4095065"/>
+            <a:ext cx="3746785" cy="2353003"/>
+          </a:xfrm>
+          <a:prstGeom prst="rect">
+            <a:avLst/>
+          </a:prstGeom>
+        </p:spPr>
+      </p:pic>
+      <p:pic>
+        <p:nvPicPr>
+          <p:cNvPr id="6" name="Picture 5"/>
+          <p:cNvPicPr>
+            <a:picLocks noChangeAspect="1"/>
+          </p:cNvPicPr>
+          <p:nvPr/>
+        </p:nvPicPr>
+        <p:blipFill>
+          <a:blip r:embed="rId4"/>
+          <a:stretch>
+            <a:fillRect/>
+          </a:stretch>
+        </p:blipFill>
+        <p:spPr>
+          <a:xfrm>
+            <a:off x="4965030" y="4095065"/>
+            <a:ext cx="4801270" cy="2353003"/>
+          </a:xfrm>
+          <a:prstGeom prst="rect">
+            <a:avLst/>
+          </a:prstGeom>
+        </p:spPr>
+      </p:pic>
     </p:spTree>
     <p:extLst>
       <p:ext uri="{BB962C8B-B14F-4D97-AF65-F5344CB8AC3E}">
@@ -6565,10 +6698,97 @@
           <a:chExt cx="0" cy="0"/>
         </a:xfrm>
       </p:grpSpPr>
+      <p:sp>
+        <p:nvSpPr>
+          <p:cNvPr id="2" name="Title 1"/>
+          <p:cNvSpPr>
+            <a:spLocks noGrp="1"/>
+          </p:cNvSpPr>
+          <p:nvPr>
+            <p:ph type="title"/>
+          </p:nvPr>
+        </p:nvSpPr>
+        <p:spPr/>
+        <p:txBody>
+          <a:bodyPr/>
+          <a:lstStyle/>
+          <a:p>
+            <a:r>
+              <a:rPr lang="en-GB" dirty="0" smtClean="0"/>
+              <a:t>SPRINT Retrospective</a:t>
+            </a:r>
+            <a:endParaRPr lang="en-GB" dirty="0"/>
+          </a:p>
+        </p:txBody>
+      </p:sp>
+      <p:sp>
+        <p:nvSpPr>
+          <p:cNvPr id="3" name="Content Placeholder 2"/>
+          <p:cNvSpPr>
+            <a:spLocks noGrp="1"/>
+          </p:cNvSpPr>
+          <p:nvPr>
+            <p:ph idx="1"/>
+          </p:nvPr>
+        </p:nvSpPr>
+        <p:spPr/>
+        <p:txBody>
+          <a:bodyPr>
+            <a:normAutofit/>
+          </a:bodyPr>
+          <a:lstStyle/>
+          <a:p>
+            <a:r>
+              <a:rPr lang="en-GB" dirty="0" smtClean="0"/>
+              <a:t>I included most of my features I put into the user stories</a:t>
+            </a:r>
+          </a:p>
+          <a:p>
+            <a:r>
+              <a:rPr lang="en-GB" dirty="0" smtClean="0"/>
+              <a:t>Implemented CRUD functionality to 2 tables</a:t>
+            </a:r>
+          </a:p>
+          <a:p>
+            <a:r>
+              <a:rPr lang="en-GB" dirty="0" smtClean="0"/>
+              <a:t>Gave the user an easy to read clean layout</a:t>
+            </a:r>
+          </a:p>
+          <a:p>
+            <a:r>
+              <a:rPr lang="en-GB" dirty="0" smtClean="0"/>
+              <a:t>Completed the back-end with testing</a:t>
+            </a:r>
+          </a:p>
+          <a:p>
+            <a:endParaRPr lang="en-GB" dirty="0"/>
+          </a:p>
+          <a:p>
+            <a:r>
+              <a:rPr lang="en-GB" dirty="0" smtClean="0"/>
+              <a:t>I left out features because some features took more time to add than initially expected </a:t>
+            </a:r>
+          </a:p>
+          <a:p>
+            <a:r>
+              <a:rPr lang="en-GB" dirty="0" smtClean="0"/>
+              <a:t>I also left out features because I changed my plan for my project</a:t>
+            </a:r>
+          </a:p>
+          <a:p>
+            <a:r>
+              <a:rPr lang="en-GB" dirty="0" smtClean="0"/>
+              <a:t>Initially the SPRINT included a way to scroll through players to get stats but I then changed directions to make a login page . </a:t>
+            </a:r>
+            <a:endParaRPr lang="en-GB" dirty="0"/>
+          </a:p>
+        </p:txBody>
+      </p:sp>
     </p:spTree>
     <p:extLst>
       <p:ext uri="{BB962C8B-B14F-4D97-AF65-F5344CB8AC3E}">
-        <p14:creationId xmlns:p14="http://schemas.microsoft.com/office/powerpoint/2010/main" val="161223092"/>
+        <p14:creationId xmlns:p14="http://schemas.microsoft.com/office/powerpoint/2010/main" val="1729833089"/>
       </p:ext>
     </p:extLst>
   </p:cSld>
@@ -6617,7 +6837,11 @@
           <a:bodyPr/>
           <a:lstStyle/>
           <a:p>
-            <a:endParaRPr lang="en-GB"/>
+            <a:r>
+              <a:rPr lang="en-GB" dirty="0" smtClean="0"/>
+              <a:t>Conclusion</a:t>
+            </a:r>
+            <a:endParaRPr lang="en-GB" dirty="0"/>
           </a:p>
         </p:txBody>
       </p:sp>
@@ -6636,27 +6860,211 @@
           <a:bodyPr/>
           <a:lstStyle/>
           <a:p>
-            <a:endParaRPr lang="en-GB"/>
-          </a:p>
-        </p:txBody>
-      </p:sp>
+            <a:r>
+              <a:rPr lang="en-GB" dirty="0" smtClean="0"/>
+              <a:t>Enjoyed the project. Very challenging. </a:t>
+            </a:r>
+          </a:p>
+          <a:p>
+            <a:r>
+              <a:rPr lang="en-GB" dirty="0" smtClean="0"/>
+              <a:t>Got to see all sides of making a website.</a:t>
+            </a:r>
+          </a:p>
+          <a:p>
+            <a:r>
+              <a:rPr lang="en-GB" dirty="0" smtClean="0"/>
+              <a:t>Learned a lot of new technologies.</a:t>
+            </a:r>
+          </a:p>
+          <a:p>
+            <a:pPr marL="0" indent="0">
+              <a:buNone/>
+            </a:pPr>
+            <a:r>
+              <a:rPr lang="en-GB" dirty="0" smtClean="0"/>
+              <a:t> </a:t>
+            </a:r>
+            <a:endParaRPr lang="en-GB" dirty="0"/>
+          </a:p>
+        </p:txBody>
+      </p:sp>
+      <p:pic>
+        <p:nvPicPr>
+          <p:cNvPr id="4" name="Picture 3"/>
+          <p:cNvPicPr>
+            <a:picLocks noChangeAspect="1"/>
+          </p:cNvPicPr>
+          <p:nvPr/>
+        </p:nvPicPr>
+        <p:blipFill>
+          <a:blip r:embed="rId2">
+            <a:extLst>
+              <a:ext uri="{28A0092B-C50C-407E-A947-70E740481C1C}">
+                <a14:useLocalDpi xmlns:a14="http://schemas.microsoft.com/office/drawing/2010/main" val="0"/>
+              </a:ext>
+            </a:extLst>
+          </a:blip>
+          <a:stretch>
+            <a:fillRect/>
+          </a:stretch>
+        </p:blipFill>
+        <p:spPr>
+          <a:xfrm>
+            <a:off x="412123" y="3163265"/>
+            <a:ext cx="4923469" cy="3694735"/>
+          </a:xfrm>
+          <a:prstGeom prst="rect">
+            <a:avLst/>
+          </a:prstGeom>
+        </p:spPr>
+      </p:pic>
     </p:spTree>
     <p:extLst>
       <p:ext uri="{BB962C8B-B14F-4D97-AF65-F5344CB8AC3E}">
-        <p14:creationId xmlns:p14="http://schemas.microsoft.com/office/powerpoint/2010/main" val="1729833089"/>
+        <p14:creationId xmlns:p14="http://schemas.microsoft.com/office/powerpoint/2010/main" val="1841168753"/>
       </p:ext>
     </p:extLst>
   </p:cSld>
   <p:clrMapOvr>
     <a:masterClrMapping/>
   </p:clrMapOvr>
-  <p:timing>
-    <p:tnLst>
-      <p:par>
-        <p:cTn id="1" dur="indefinite" restart="never" nodeType="tmRoot"/>
-      </p:par>
-    </p:tnLst>
-  </p:timing>
+</p:sld>
+</file>
+
+<file path=ppt/slides/slide15.xml><?xml version="1.0" encoding="utf-8"?>
+<p:sld xmlns:a="http://schemas.openxmlformats.org/drawingml/2006/main" xmlns:r="http://schemas.openxmlformats.org/officeDocument/2006/relationships" xmlns:p="http://schemas.openxmlformats.org/presentationml/2006/main">
+  <p:cSld>
+    <p:spTree>
+      <p:nvGrpSpPr>
+        <p:cNvPr id="1" name=""/>
+        <p:cNvGrpSpPr/>
+        <p:nvPr/>
+      </p:nvGrpSpPr>
+      <p:grpSpPr>
+        <a:xfrm>
+          <a:off x="0" y="0"/>
+          <a:ext cx="0" cy="0"/>
+          <a:chOff x="0" y="0"/>
+          <a:chExt cx="0" cy="0"/>
+        </a:xfrm>
+      </p:grpSpPr>
+      <p:sp>
+        <p:nvSpPr>
+          <p:cNvPr id="2" name="Title 1"/>
+          <p:cNvSpPr>
+            <a:spLocks noGrp="1"/>
+          </p:cNvSpPr>
+          <p:nvPr>
+            <p:ph type="title"/>
+          </p:nvPr>
+        </p:nvSpPr>
+        <p:spPr/>
+        <p:txBody>
+          <a:bodyPr/>
+          <a:lstStyle/>
+          <a:p>
+            <a:r>
+              <a:rPr lang="en-GB" dirty="0" smtClean="0"/>
+              <a:t>QUESTIONS?</a:t>
+            </a:r>
+            <a:endParaRPr lang="en-GB" dirty="0"/>
+          </a:p>
+        </p:txBody>
+      </p:sp>
+      <p:sp>
+        <p:nvSpPr>
+          <p:cNvPr id="3" name="Content Placeholder 2"/>
+          <p:cNvSpPr>
+            <a:spLocks noGrp="1"/>
+          </p:cNvSpPr>
+          <p:nvPr>
+            <p:ph idx="1"/>
+          </p:nvPr>
+        </p:nvSpPr>
+        <p:spPr/>
+        <p:txBody>
+          <a:bodyPr/>
+          <a:lstStyle/>
+          <a:p>
+            <a:r>
+              <a:rPr lang="en-GB" dirty="0" smtClean="0"/>
+              <a:t>Please ask any questions</a:t>
+            </a:r>
+            <a:endParaRPr lang="en-GB" dirty="0"/>
+          </a:p>
+        </p:txBody>
+      </p:sp>
+      <p:pic>
+        <p:nvPicPr>
+          <p:cNvPr id="5" name="Picture 4"/>
+          <p:cNvPicPr>
+            <a:picLocks noChangeAspect="1"/>
+          </p:cNvPicPr>
+          <p:nvPr/>
+        </p:nvPicPr>
+        <p:blipFill>
+          <a:blip r:embed="rId2">
+            <a:extLst>
+              <a:ext uri="{28A0092B-C50C-407E-A947-70E740481C1C}">
+                <a14:useLocalDpi xmlns:a14="http://schemas.microsoft.com/office/drawing/2010/main" val="0"/>
+              </a:ext>
+            </a:extLst>
+          </a:blip>
+          <a:stretch>
+            <a:fillRect/>
+          </a:stretch>
+        </p:blipFill>
+        <p:spPr>
+          <a:xfrm>
+            <a:off x="-733323" y="3340371"/>
+            <a:ext cx="6081795" cy="3517629"/>
+          </a:xfrm>
+          <a:prstGeom prst="rect">
+            <a:avLst/>
+          </a:prstGeom>
+        </p:spPr>
+      </p:pic>
+      <p:pic>
+        <p:nvPicPr>
+          <p:cNvPr id="7" name="Picture 6"/>
+          <p:cNvPicPr>
+            <a:picLocks noChangeAspect="1"/>
+          </p:cNvPicPr>
+          <p:nvPr/>
+        </p:nvPicPr>
+        <p:blipFill>
+          <a:blip r:embed="rId3">
+            <a:extLst>
+              <a:ext uri="{28A0092B-C50C-407E-A947-70E740481C1C}">
+                <a14:useLocalDpi xmlns:a14="http://schemas.microsoft.com/office/drawing/2010/main" val="0"/>
+              </a:ext>
+            </a:extLst>
+          </a:blip>
+          <a:stretch>
+            <a:fillRect/>
+          </a:stretch>
+        </p:blipFill>
+        <p:spPr>
+          <a:xfrm>
+            <a:off x="7697178" y="2052918"/>
+            <a:ext cx="4705350" cy="4810125"/>
+          </a:xfrm>
+          <a:prstGeom prst="rect">
+            <a:avLst/>
+          </a:prstGeom>
+        </p:spPr>
+      </p:pic>
+    </p:spTree>
+    <p:extLst>
+      <p:ext uri="{BB962C8B-B14F-4D97-AF65-F5344CB8AC3E}">
+        <p14:creationId xmlns:p14="http://schemas.microsoft.com/office/powerpoint/2010/main" val="1489305141"/>
+      </p:ext>
+    </p:extLst>
+  </p:cSld>
+  <p:clrMapOvr>
+    <a:masterClrMapping/>
+  </p:clrMapOvr>
 </p:sld>
 </file>
 
